--- a/Deliverable 2/CS Deliverable 2 Presentation.pptx
+++ b/Deliverable 2/CS Deliverable 2 Presentation.pptx
@@ -122,17 +122,41 @@
 </p:presentation>
 </file>
 
-<file path=ppt/revisionInfo.xml><?xml version="1.0" encoding="utf-8"?>
-<p1510:revInfo xmlns:a="http://schemas.openxmlformats.org/drawingml/2006/main" xmlns:r="http://schemas.openxmlformats.org/officeDocument/2006/relationships" xmlns:p1510="http://schemas.microsoft.com/office/powerpoint/2015/10/main">
-  <p1510:revLst>
-    <p1510:client id="{142C45D0-4D26-F486-7D49-0795C250EA51}" v="21" dt="2025-02-15T19:07:55.406"/>
-    <p1510:client id="{21CAD55F-DBDF-F13D-CBFD-CA0CF39135C7}" v="25" dt="2025-02-15T19:06:23.437"/>
-    <p1510:client id="{356B1C4A-00DF-F18E-9DC8-866B3786A578}" v="1087" dt="2025-02-16T23:09:48.105"/>
-    <p1510:client id="{6713E4B8-3EB4-D6AD-E584-2D4BAD3CEBA0}" v="74" dt="2025-02-15T19:03:28.241"/>
-    <p1510:client id="{CA49F239-A087-6AB1-EDA1-AD8A726E99F9}" v="2015" dt="2025-02-15T18:59:06.705"/>
-    <p1510:client id="{D498B662-9E12-8289-B5AD-C22C25903086}" v="1201" dt="2025-02-15T19:29:10.926"/>
-  </p1510:revLst>
-</p1510:revInfo>
+<file path=ppt/changesInfos/changesInfo1.xml><?xml version="1.0" encoding="utf-8"?>
+<pc:chgInfo xmlns:a="http://schemas.openxmlformats.org/drawingml/2006/main" xmlns:r="http://schemas.openxmlformats.org/officeDocument/2006/relationships" xmlns:ac="http://schemas.microsoft.com/office/drawing/2013/main/command" xmlns:pc="http://schemas.microsoft.com/office/powerpoint/2013/main/command">
+  <pc:docChgLst>
+    <pc:chgData name="Alessandro Pomponi" userId="b710130bc3da867d" providerId="LiveId" clId="{CA311B23-A6E4-46F6-B843-5372E1CE02EE}"/>
+    <pc:docChg chg="undo custSel modSld">
+      <pc:chgData name="Alessandro Pomponi" userId="b710130bc3da867d" providerId="LiveId" clId="{CA311B23-A6E4-46F6-B843-5372E1CE02EE}" dt="2025-02-23T16:50:25.626" v="6" actId="14100"/>
+      <pc:docMkLst>
+        <pc:docMk/>
+      </pc:docMkLst>
+      <pc:sldChg chg="modSp mod">
+        <pc:chgData name="Alessandro Pomponi" userId="b710130bc3da867d" providerId="LiveId" clId="{CA311B23-A6E4-46F6-B843-5372E1CE02EE}" dt="2025-02-23T16:50:25.626" v="6" actId="14100"/>
+        <pc:sldMkLst>
+          <pc:docMk/>
+          <pc:sldMk cId="3450497059" sldId="265"/>
+        </pc:sldMkLst>
+        <pc:spChg chg="mod">
+          <ac:chgData name="Alessandro Pomponi" userId="b710130bc3da867d" providerId="LiveId" clId="{CA311B23-A6E4-46F6-B843-5372E1CE02EE}" dt="2025-02-23T16:50:25.626" v="6" actId="14100"/>
+          <ac:spMkLst>
+            <pc:docMk/>
+            <pc:sldMk cId="3450497059" sldId="265"/>
+            <ac:spMk id="2" creationId="{DDA52105-371F-2F7A-16DE-00C06AAB7C2D}"/>
+          </ac:spMkLst>
+        </pc:spChg>
+        <pc:spChg chg="mod">
+          <ac:chgData name="Alessandro Pomponi" userId="b710130bc3da867d" providerId="LiveId" clId="{CA311B23-A6E4-46F6-B843-5372E1CE02EE}" dt="2025-02-23T16:50:20.659" v="5" actId="20577"/>
+          <ac:spMkLst>
+            <pc:docMk/>
+            <pc:sldMk cId="3450497059" sldId="265"/>
+            <ac:spMk id="9" creationId="{039FD38F-E63C-0816-7528-FE8FD24CCDAD}"/>
+          </ac:spMkLst>
+        </pc:spChg>
+      </pc:sldChg>
+    </pc:docChg>
+  </pc:docChgLst>
+</pc:chgInfo>
 </file>
 
 <file path=ppt/slideLayouts/slideLayout1.xml><?xml version="1.0" encoding="utf-8"?>
@@ -286,7 +310,7 @@
           <a:p>
             <a:fld id="{D1D1EADE-8E88-4C7C-8AC5-FB148DE4940E}" type="datetime1">
               <a:rPr lang="en-US" smtClean="0"/>
-              <a:t>2/16/2025</a:t>
+              <a:t>2/23/2025</a:t>
             </a:fld>
             <a:endParaRPr lang="en-US"/>
           </a:p>
@@ -484,7 +508,7 @@
           <a:p>
             <a:fld id="{EC3C8B9C-477D-492A-96AD-1FC2CC997A73}" type="datetime1">
               <a:rPr lang="en-US" smtClean="0"/>
-              <a:t>2/16/2025</a:t>
+              <a:t>2/23/2025</a:t>
             </a:fld>
             <a:endParaRPr lang="en-US"/>
           </a:p>
@@ -692,7 +716,7 @@
           <a:p>
             <a:fld id="{42D3AED5-E26D-4E29-B1B3-7847B6779594}" type="datetime1">
               <a:rPr lang="en-US" smtClean="0"/>
-              <a:t>2/16/2025</a:t>
+              <a:t>2/23/2025</a:t>
             </a:fld>
             <a:endParaRPr lang="en-US"/>
           </a:p>
@@ -890,7 +914,7 @@
           <a:p>
             <a:fld id="{157B6794-849E-4626-908B-D15793550EFB}" type="datetime1">
               <a:rPr lang="en-US" smtClean="0"/>
-              <a:t>2/16/2025</a:t>
+              <a:t>2/23/2025</a:t>
             </a:fld>
             <a:endParaRPr lang="en-US"/>
           </a:p>
@@ -1165,7 +1189,7 @@
           <a:p>
             <a:fld id="{63DB64E7-5594-42A3-ADBF-E95A7ACEAD64}" type="datetime1">
               <a:rPr lang="en-US" smtClean="0"/>
-              <a:t>2/16/2025</a:t>
+              <a:t>2/23/2025</a:t>
             </a:fld>
             <a:endParaRPr lang="en-US"/>
           </a:p>
@@ -1435,7 +1459,7 @@
           <a:p>
             <a:fld id="{18462B0B-D248-4FFB-8695-AD7FA4B1284A}" type="datetime1">
               <a:rPr lang="en-US" smtClean="0"/>
-              <a:t>2/16/2025</a:t>
+              <a:t>2/23/2025</a:t>
             </a:fld>
             <a:endParaRPr lang="en-US"/>
           </a:p>
@@ -1855,7 +1879,7 @@
           <a:p>
             <a:fld id="{D0378EFB-9159-4510-B73F-4F0409ADE937}" type="datetime1">
               <a:rPr lang="en-US" smtClean="0"/>
-              <a:t>2/16/2025</a:t>
+              <a:t>2/23/2025</a:t>
             </a:fld>
             <a:endParaRPr lang="en-US"/>
           </a:p>
@@ -1996,7 +2020,7 @@
           <a:p>
             <a:fld id="{89BC9412-2452-4BED-A324-9D8C115361AD}" type="datetime1">
               <a:rPr lang="en-US" smtClean="0"/>
-              <a:t>2/16/2025</a:t>
+              <a:t>2/23/2025</a:t>
             </a:fld>
             <a:endParaRPr lang="en-US"/>
           </a:p>
@@ -2109,7 +2133,7 @@
           <a:p>
             <a:fld id="{F5318F62-D251-40E8-A23C-F4CFE9FEAB41}" type="datetime1">
               <a:rPr lang="en-US" smtClean="0"/>
-              <a:t>2/16/2025</a:t>
+              <a:t>2/23/2025</a:t>
             </a:fld>
             <a:endParaRPr lang="en-US"/>
           </a:p>
@@ -2420,7 +2444,7 @@
           <a:p>
             <a:fld id="{44F76144-149E-4874-93A5-554A0357CF82}" type="datetime1">
               <a:rPr lang="en-US" smtClean="0"/>
-              <a:t>2/16/2025</a:t>
+              <a:t>2/23/2025</a:t>
             </a:fld>
             <a:endParaRPr lang="en-US"/>
           </a:p>
@@ -2711,7 +2735,7 @@
           <a:p>
             <a:fld id="{50BA65D8-0540-4835-AE5C-25D29DBA01BE}" type="datetime1">
               <a:rPr lang="en-US" smtClean="0"/>
-              <a:t>2/16/2025</a:t>
+              <a:t>2/23/2025</a:t>
             </a:fld>
             <a:endParaRPr lang="en-US"/>
           </a:p>
@@ -2956,7 +2980,7 @@
           <a:p>
             <a:fld id="{E31BA835-12AC-4E8F-955A-EA3F4DE2791F}" type="datetime1">
               <a:rPr lang="en-US" smtClean="0"/>
-              <a:t>2/16/2025</a:t>
+              <a:t>2/23/2025</a:t>
             </a:fld>
             <a:endParaRPr lang="en-US"/>
           </a:p>
@@ -3778,8 +3802,8 @@
         </p:nvSpPr>
         <p:spPr>
           <a:xfrm>
-            <a:off x="780246" y="897341"/>
-            <a:ext cx="5795130" cy="722153"/>
+            <a:off x="780245" y="897341"/>
+            <a:ext cx="6494697" cy="722153"/>
           </a:xfrm>
         </p:spPr>
         <p:txBody>
